--- a/documentazione/poster.pptx
+++ b/documentazione/poster.pptx
@@ -3410,7 +3410,6 @@
               <a:rPr lang="it-IT" sz="2600" dirty="0"/>
               <a:t> </a:t>
             </a:r>
-            <a:endParaRPr lang="it-IT" sz="2600" dirty="0"/>
           </a:p>
         </p:txBody>
       </p:sp>
@@ -3594,134 +3593,6 @@
               <a:defRPr/>
             </a:pPr>
             <a:endParaRPr lang="it-IT"/>
-          </a:p>
-        </p:txBody>
-      </p:sp>
-      <p:sp>
-        <p:nvSpPr>
-          <p:cNvPr id="19" name="Segnaposto testo 15"/>
-          <p:cNvSpPr>
-            <a:spLocks noGrp="1"/>
-          </p:cNvSpPr>
-          <p:nvPr>
-            <p:ph type="body" sz="quarter" idx="55"/>
-          </p:nvPr>
-        </p:nvSpPr>
-        <p:spPr bwMode="auto">
-          <a:xfrm>
-            <a:off x="11252200" y="4795838"/>
-            <a:ext cx="3097213" cy="273050"/>
-          </a:xfrm>
-          <a:noFill/>
-          <a:extLst>
-            <a:ext uri="{909E8E84-426E-40DD-AFC4-6F175D3DCCD1}">
-              <a14:hiddenFill xmlns:a14="http://schemas.microsoft.com/office/drawing/2010/main">
-                <a:solidFill>
-                  <a:srgbClr val="FFFFFF"/>
-                </a:solidFill>
-              </a14:hiddenFill>
-            </a:ext>
-            <a:ext uri="{91240B29-F687-4F45-9708-019B960494DF}">
-              <a14:hiddenLine xmlns:a14="http://schemas.microsoft.com/office/drawing/2010/main" w="9525">
-                <a:solidFill>
-                  <a:srgbClr val="000000"/>
-                </a:solidFill>
-                <a:miter lim="800000"/>
-                <a:headEnd/>
-                <a:tailEnd/>
-              </a14:hiddenLine>
-            </a:ext>
-          </a:extLst>
-        </p:spPr>
-        <p:txBody>
-          <a:bodyPr vert="horz" wrap="square" numCol="1" anchor="t" anchorCtr="0" compatLnSpc="1">
-            <a:prstTxWarp prst="textNoShape">
-              <a:avLst/>
-            </a:prstTxWarp>
-          </a:bodyPr>
-          <a:lstStyle/>
-          <a:p>
-            <a:pPr>
-              <a:spcBef>
-                <a:spcPct val="0"/>
-              </a:spcBef>
-            </a:pPr>
-            <a:r>
-              <a:rPr lang="it-IT" dirty="0" smtClean="0">
-                <a:latin typeface="Arial" charset="0"/>
-                <a:ea typeface="ＭＳ Ｐゴシック" charset="0"/>
-                <a:cs typeface="ＭＳ Ｐゴシック" charset="0"/>
-              </a:rPr>
-              <a:t>Committente</a:t>
-            </a:r>
-            <a:endParaRPr lang="it-IT" dirty="0">
-              <a:latin typeface="Arial" charset="0"/>
-              <a:ea typeface="ＭＳ Ｐゴシック" charset="0"/>
-              <a:cs typeface="ＭＳ Ｐゴシック" charset="0"/>
-            </a:endParaRPr>
-          </a:p>
-        </p:txBody>
-      </p:sp>
-      <p:sp>
-        <p:nvSpPr>
-          <p:cNvPr id="20" name="Segnaposto testo 16"/>
-          <p:cNvSpPr>
-            <a:spLocks noGrp="1"/>
-          </p:cNvSpPr>
-          <p:nvPr>
-            <p:ph type="body" sz="quarter" idx="56"/>
-          </p:nvPr>
-        </p:nvSpPr>
-        <p:spPr bwMode="auto">
-          <a:xfrm>
-            <a:off x="11252200" y="5094288"/>
-            <a:ext cx="3097213" cy="798512"/>
-          </a:xfrm>
-          <a:noFill/>
-          <a:extLst>
-            <a:ext uri="{909E8E84-426E-40DD-AFC4-6F175D3DCCD1}">
-              <a14:hiddenFill xmlns:a14="http://schemas.microsoft.com/office/drawing/2010/main">
-                <a:solidFill>
-                  <a:srgbClr val="FFFFFF"/>
-                </a:solidFill>
-              </a14:hiddenFill>
-            </a:ext>
-            <a:ext uri="{91240B29-F687-4F45-9708-019B960494DF}">
-              <a14:hiddenLine xmlns:a14="http://schemas.microsoft.com/office/drawing/2010/main" w="9525">
-                <a:solidFill>
-                  <a:srgbClr val="000000"/>
-                </a:solidFill>
-                <a:miter lim="800000"/>
-                <a:headEnd/>
-                <a:tailEnd/>
-              </a14:hiddenLine>
-            </a:ext>
-            <a:ext uri="{FAA26D3D-D897-4be2-8F04-BA451C77F1D7}">
-              <ma14:placeholderFlag xmlns:ma14="http://schemas.microsoft.com/office/mac/drawingml/2011/main" val="1"/>
-            </a:ext>
-          </a:extLst>
-        </p:spPr>
-        <p:txBody>
-          <a:bodyPr vert="horz" wrap="square" numCol="1" anchor="t" anchorCtr="0" compatLnSpc="1">
-            <a:prstTxWarp prst="textNoShape">
-              <a:avLst/>
-            </a:prstTxWarp>
-          </a:bodyPr>
-          <a:lstStyle/>
-          <a:p>
-            <a:r>
-              <a:rPr lang="it-IT" dirty="0" smtClean="0">
-                <a:latin typeface="Arial" charset="0"/>
-                <a:ea typeface="ＭＳ Ｐゴシック" charset="0"/>
-                <a:cs typeface="ＭＳ Ｐゴシック" charset="0"/>
-              </a:rPr>
-              <a:t>COSA METTO??</a:t>
-            </a:r>
-            <a:endParaRPr lang="it-IT" dirty="0">
-              <a:latin typeface="Arial" charset="0"/>
-              <a:ea typeface="ＭＳ Ｐゴシック" charset="0"/>
-              <a:cs typeface="ＭＳ Ｐゴシック" charset="0"/>
-            </a:endParaRPr>
           </a:p>
         </p:txBody>
       </p:sp>
